--- a/11-GitHub3-협업.pptx
+++ b/11-GitHub3-협업.pptx
@@ -5,7 +5,7 @@
     <p:sldMasterId id="2147483648" r:id="rId1"/>
   </p:sldMasterIdLst>
   <p:notesMasterIdLst>
-    <p:notesMasterId r:id="rId30"/>
+    <p:notesMasterId r:id="rId31"/>
   </p:notesMasterIdLst>
   <p:sldIdLst>
     <p:sldId id="256" r:id="rId2"/>
@@ -36,6 +36,7 @@
     <p:sldId id="453" r:id="rId27"/>
     <p:sldId id="454" r:id="rId28"/>
     <p:sldId id="455" r:id="rId29"/>
+    <p:sldId id="456" r:id="rId30"/>
   </p:sldIdLst>
   <p:sldSz cx="12192000" cy="6858000"/>
   <p:notesSz cx="6858000" cy="9144000"/>
@@ -137,7 +138,7 @@
   <p:extLst>
     <p:ext uri="{EFAFB233-063F-42B5-8137-9DF3F51BA10A}">
       <p15:sldGuideLst xmlns:p15="http://schemas.microsoft.com/office/powerpoint/2012/main">
-        <p15:guide id="1" orient="horz" pos="2092" userDrawn="1">
+        <p15:guide id="1" orient="horz" pos="2160" userDrawn="1">
           <p15:clr>
             <a:srgbClr val="A4A3A4"/>
           </p15:clr>
@@ -235,7 +236,7 @@
           <a:p>
             <a:fld id="{48BA394C-F57C-46F7-A237-44FDB0C72F82}" type="datetimeFigureOut">
               <a:rPr lang="ko-KR" altLang="en-US" smtClean="0"/>
-              <a:t>2020-11-08</a:t>
+              <a:t>2020-11-23</a:t>
             </a:fld>
             <a:endParaRPr lang="ko-KR" altLang="en-US"/>
           </a:p>
@@ -3414,7 +3415,7 @@
         </p:spPr>
         <p:txBody>
           <a:bodyPr>
-            <a:normAutofit fontScale="90000"/>
+            <a:normAutofit/>
           </a:bodyPr>
           <a:lstStyle/>
           <a:p>
@@ -3523,89 +3524,6 @@
                 </a:effectLst>
               </a:rPr>
               <a:t>fork, pull request</a:t>
-            </a:r>
-            <a:br>
-              <a:rPr lang="en-US" altLang="ko-KR" sz="4000" b="1" dirty="0" smtClean="0">
-                <a:effectLst>
-                  <a:outerShdw blurRad="38100" dist="38100" dir="2700000" algn="tl">
-                    <a:srgbClr val="000000">
-                      <a:alpha val="43137"/>
-                    </a:srgbClr>
-                  </a:outerShdw>
-                </a:effectLst>
-              </a:rPr>
-            </a:br>
-            <a:r>
-              <a:rPr lang="en-US" altLang="ko-KR" sz="3100" b="1" dirty="0" smtClean="0">
-                <a:effectLst>
-                  <a:outerShdw blurRad="38100" dist="38100" dir="2700000" algn="tl">
-                    <a:srgbClr val="000000">
-                      <a:alpha val="43137"/>
-                    </a:srgbClr>
-                  </a:outerShdw>
-                </a:effectLst>
-              </a:rPr>
-              <a:t>(windows </a:t>
-            </a:r>
-            <a:r>
-              <a:rPr lang="ko-KR" altLang="en-US" sz="3100" b="1" dirty="0" smtClean="0">
-                <a:effectLst>
-                  <a:outerShdw blurRad="38100" dist="38100" dir="2700000" algn="tl">
-                    <a:srgbClr val="000000">
-                      <a:alpha val="43137"/>
-                    </a:srgbClr>
-                  </a:outerShdw>
-                </a:effectLst>
-              </a:rPr>
-              <a:t>용 </a:t>
-            </a:r>
-            <a:r>
-              <a:rPr lang="en-US" altLang="ko-KR" sz="3100" b="1" dirty="0" err="1" smtClean="0">
-                <a:effectLst>
-                  <a:outerShdw blurRad="38100" dist="38100" dir="2700000" algn="tl">
-                    <a:srgbClr val="000000">
-                      <a:alpha val="43137"/>
-                    </a:srgbClr>
-                  </a:outerShdw>
-                </a:effectLst>
-              </a:rPr>
-              <a:t>git</a:t>
-            </a:r>
-            <a:r>
-              <a:rPr lang="en-US" altLang="ko-KR" sz="3100" b="1" dirty="0" smtClean="0">
-                <a:effectLst>
-                  <a:outerShdw blurRad="38100" dist="38100" dir="2700000" algn="tl">
-                    <a:srgbClr val="000000">
-                      <a:alpha val="43137"/>
-                    </a:srgbClr>
-                  </a:outerShdw>
-                </a:effectLst>
-              </a:rPr>
-              <a:t> </a:t>
-            </a:r>
-            <a:r>
-              <a:rPr lang="ko-KR" altLang="en-US" sz="3100" b="1" dirty="0" smtClean="0">
-                <a:effectLst>
-                  <a:outerShdw blurRad="38100" dist="38100" dir="2700000" algn="tl">
-                    <a:srgbClr val="000000">
-                      <a:alpha val="43137"/>
-                    </a:srgbClr>
-                  </a:outerShdw>
-                </a:effectLst>
-              </a:rPr>
-              <a:t>사용</a:t>
-            </a:r>
-            <a:r>
-              <a:rPr lang="en-US" altLang="ko-KR" sz="3100" b="1" dirty="0" smtClean="0">
-                <a:effectLst>
-                  <a:outerShdw blurRad="38100" dist="38100" dir="2700000" algn="tl">
-                    <a:srgbClr val="000000">
-                      <a:alpha val="43137"/>
-                    </a:srgbClr>
-                  </a:outerShdw>
-                </a:effectLst>
-              </a:rPr>
-              <a:t>)</a:t>
             </a:r>
             <a:endParaRPr lang="ko-KR" altLang="en-US" sz="3100" b="1" dirty="0">
               <a:effectLst>
@@ -3962,6 +3880,36 @@
               <a:buFont typeface="+mj-lt"/>
               <a:buAutoNum type="arabicPeriod" startAt="5"/>
             </a:pPr>
+            <a:r>
+              <a:rPr lang="ko-KR" altLang="en-US" dirty="0" err="1" smtClean="0"/>
+              <a:t>리모트</a:t>
+            </a:r>
+            <a:r>
+              <a:rPr lang="ko-KR" altLang="en-US" dirty="0" smtClean="0"/>
+              <a:t> </a:t>
+            </a:r>
+            <a:r>
+              <a:rPr lang="en-US" altLang="ko-KR" dirty="0"/>
+              <a:t>repo</a:t>
+            </a:r>
+            <a:r>
+              <a:rPr lang="ko-KR" altLang="en-US" dirty="0"/>
+              <a:t>에 폴더 </a:t>
+            </a:r>
+            <a:r>
+              <a:rPr lang="en-US" altLang="ko-KR" dirty="0"/>
+              <a:t>push </a:t>
+            </a:r>
+            <a:r>
+              <a:rPr lang="ko-KR" altLang="en-US" dirty="0"/>
+              <a:t>하기</a:t>
+            </a:r>
+          </a:p>
+          <a:p>
+            <a:pPr marL="514350" indent="-514350">
+              <a:buFont typeface="+mj-lt"/>
+              <a:buAutoNum type="arabicPeriod" startAt="5"/>
+            </a:pPr>
             <a:endParaRPr lang="en-US" altLang="ko-KR" dirty="0"/>
           </a:p>
           <a:p>
@@ -3970,37 +3918,6 @@
               <a:buAutoNum type="arabicPeriod" startAt="5"/>
             </a:pPr>
             <a:endParaRPr lang="en-US" altLang="ko-KR" dirty="0" smtClean="0"/>
-          </a:p>
-          <a:p>
-            <a:pPr marL="514350" indent="-514350">
-              <a:buFont typeface="+mj-lt"/>
-              <a:buAutoNum type="arabicPeriod" startAt="5"/>
-            </a:pPr>
-            <a:r>
-              <a:rPr lang="ko-KR" altLang="en-US" dirty="0" err="1" smtClean="0"/>
-              <a:t>리모드</a:t>
-            </a:r>
-            <a:r>
-              <a:rPr lang="ko-KR" altLang="en-US" dirty="0" smtClean="0"/>
-              <a:t> </a:t>
-            </a:r>
-            <a:r>
-              <a:rPr lang="en-US" altLang="ko-KR" dirty="0" smtClean="0"/>
-              <a:t>repo</a:t>
-            </a:r>
-            <a:r>
-              <a:rPr lang="ko-KR" altLang="en-US" dirty="0" smtClean="0"/>
-              <a:t>에 폴더 </a:t>
-            </a:r>
-            <a:r>
-              <a:rPr lang="en-US" altLang="ko-KR" dirty="0" smtClean="0"/>
-              <a:t>push </a:t>
-            </a:r>
-            <a:r>
-              <a:rPr lang="ko-KR" altLang="en-US" dirty="0" smtClean="0"/>
-              <a:t>하기</a:t>
-            </a:r>
-            <a:endParaRPr lang="ko-KR" altLang="en-US" dirty="0"/>
           </a:p>
         </p:txBody>
       </p:sp>
@@ -4043,7 +3960,7 @@
         </p:blipFill>
         <p:spPr>
           <a:xfrm>
-            <a:off x="3974682" y="1566069"/>
+            <a:off x="1314609" y="2369633"/>
             <a:ext cx="7974301" cy="793309"/>
           </a:xfrm>
           <a:prstGeom prst="rect">
@@ -4059,7 +3976,7 @@
         </p:nvSpPr>
         <p:spPr>
           <a:xfrm>
-            <a:off x="3974682" y="1566069"/>
+            <a:off x="1314609" y="2369633"/>
             <a:ext cx="7747761" cy="377423"/>
           </a:xfrm>
           <a:prstGeom prst="rect">
@@ -4105,7 +4022,7 @@
         </p:nvSpPr>
         <p:spPr>
           <a:xfrm>
-            <a:off x="3974681" y="2001186"/>
+            <a:off x="1314608" y="2804750"/>
             <a:ext cx="4130741" cy="377423"/>
           </a:xfrm>
           <a:prstGeom prst="rect">
@@ -5927,6 +5844,137 @@
           </a:p>
         </p:txBody>
       </p:sp>
+      <p:pic>
+        <p:nvPicPr>
+          <p:cNvPr id="5" name="그림 4"/>
+          <p:cNvPicPr>
+            <a:picLocks noChangeAspect="1"/>
+          </p:cNvPicPr>
+          <p:nvPr/>
+        </p:nvPicPr>
+        <p:blipFill>
+          <a:blip r:embed="rId5"/>
+          <a:stretch>
+            <a:fillRect/>
+          </a:stretch>
+        </p:blipFill>
+        <p:spPr>
+          <a:xfrm>
+            <a:off x="328953" y="5811422"/>
+            <a:ext cx="11393490" cy="381053"/>
+          </a:xfrm>
+          <a:prstGeom prst="rect">
+            <a:avLst/>
+          </a:prstGeom>
+          <a:ln>
+            <a:solidFill>
+              <a:srgbClr val="FFFF66"/>
+            </a:solidFill>
+          </a:ln>
+        </p:spPr>
+      </p:pic>
+      <p:sp>
+        <p:nvSpPr>
+          <p:cNvPr id="15" name="TextBox 14"/>
+          <p:cNvSpPr txBox="1"/>
+          <p:nvPr/>
+        </p:nvSpPr>
+        <p:spPr>
+          <a:xfrm>
+            <a:off x="6791460" y="6142295"/>
+            <a:ext cx="4230645" cy="461665"/>
+          </a:xfrm>
+          <a:prstGeom prst="rect">
+            <a:avLst/>
+          </a:prstGeom>
+          <a:noFill/>
+        </p:spPr>
+        <p:txBody>
+          <a:bodyPr wrap="none" rtlCol="0">
+            <a:spAutoFit/>
+          </a:bodyPr>
+          <a:lstStyle/>
+          <a:p>
+            <a:r>
+              <a:rPr lang="ko-KR" altLang="en-US" sz="2400" dirty="0" smtClean="0">
+                <a:solidFill>
+                  <a:srgbClr val="FF0000"/>
+                </a:solidFill>
+                <a:latin typeface="나눔손글씨 펜" panose="03040600000000000000" pitchFamily="66" charset="-127"/>
+                <a:ea typeface="나눔손글씨 펜" panose="03040600000000000000" pitchFamily="66" charset="-127"/>
+              </a:rPr>
+              <a:t>기본 </a:t>
+            </a:r>
+            <a:r>
+              <a:rPr lang="ko-KR" altLang="en-US" sz="2400" dirty="0" err="1" smtClean="0">
+                <a:solidFill>
+                  <a:srgbClr val="FF0000"/>
+                </a:solidFill>
+                <a:latin typeface="나눔손글씨 펜" panose="03040600000000000000" pitchFamily="66" charset="-127"/>
+                <a:ea typeface="나눔손글씨 펜" panose="03040600000000000000" pitchFamily="66" charset="-127"/>
+              </a:rPr>
+              <a:t>브랜치가</a:t>
+            </a:r>
+            <a:r>
+              <a:rPr lang="ko-KR" altLang="en-US" sz="2400" dirty="0" smtClean="0">
+                <a:solidFill>
+                  <a:srgbClr val="FF0000"/>
+                </a:solidFill>
+                <a:latin typeface="나눔손글씨 펜" panose="03040600000000000000" pitchFamily="66" charset="-127"/>
+                <a:ea typeface="나눔손글씨 펜" panose="03040600000000000000" pitchFamily="66" charset="-127"/>
+              </a:rPr>
+              <a:t> 아닌 </a:t>
+            </a:r>
+            <a:r>
+              <a:rPr lang="en-US" altLang="ko-KR" sz="2400" dirty="0" smtClean="0">
+                <a:solidFill>
+                  <a:srgbClr val="FF0000"/>
+                </a:solidFill>
+                <a:latin typeface="나눔손글씨 펜" panose="03040600000000000000" pitchFamily="66" charset="-127"/>
+                <a:ea typeface="나눔손글씨 펜" panose="03040600000000000000" pitchFamily="66" charset="-127"/>
+              </a:rPr>
+              <a:t>master </a:t>
+            </a:r>
+            <a:r>
+              <a:rPr lang="ko-KR" altLang="en-US" sz="2400" dirty="0" err="1" smtClean="0">
+                <a:solidFill>
+                  <a:srgbClr val="FF0000"/>
+                </a:solidFill>
+                <a:latin typeface="나눔손글씨 펜" panose="03040600000000000000" pitchFamily="66" charset="-127"/>
+                <a:ea typeface="나눔손글씨 펜" panose="03040600000000000000" pitchFamily="66" charset="-127"/>
+              </a:rPr>
+              <a:t>브랜치에서</a:t>
+            </a:r>
+            <a:r>
+              <a:rPr lang="ko-KR" altLang="en-US" sz="2400" dirty="0" smtClean="0">
+                <a:solidFill>
+                  <a:srgbClr val="FF0000"/>
+                </a:solidFill>
+                <a:latin typeface="나눔손글씨 펜" panose="03040600000000000000" pitchFamily="66" charset="-127"/>
+                <a:ea typeface="나눔손글씨 펜" panose="03040600000000000000" pitchFamily="66" charset="-127"/>
+              </a:rPr>
+              <a:t> </a:t>
+            </a:r>
+            <a:r>
+              <a:rPr lang="en-US" altLang="ko-KR" sz="2400" dirty="0" smtClean="0">
+                <a:solidFill>
+                  <a:srgbClr val="FF0000"/>
+                </a:solidFill>
+                <a:latin typeface="나눔손글씨 펜" panose="03040600000000000000" pitchFamily="66" charset="-127"/>
+                <a:ea typeface="나눔손글씨 펜" panose="03040600000000000000" pitchFamily="66" charset="-127"/>
+              </a:rPr>
+              <a:t>clone</a:t>
+            </a:r>
+            <a:endParaRPr lang="ko-KR" altLang="en-US" sz="2400" dirty="0">
+              <a:solidFill>
+                <a:srgbClr val="FF0000"/>
+              </a:solidFill>
+              <a:latin typeface="나눔손글씨 펜" panose="03040600000000000000" pitchFamily="66" charset="-127"/>
+              <a:ea typeface="나눔손글씨 펜" panose="03040600000000000000" pitchFamily="66" charset="-127"/>
+            </a:endParaRPr>
+          </a:p>
+        </p:txBody>
+      </p:sp>
     </p:spTree>
     <p:extLst>
       <p:ext uri="{BB962C8B-B14F-4D97-AF65-F5344CB8AC3E}">
@@ -6101,6 +6149,33 @@
                                   </p:childTnLst>
                                 </p:cTn>
                               </p:par>
+                              <p:par>
+                                <p:cTn id="17" presetID="1" presetClass="entr" presetSubtype="0" fill="hold" grpId="0" nodeType="withEffect">
+                                  <p:stCondLst>
+                                    <p:cond delay="0"/>
+                                  </p:stCondLst>
+                                  <p:childTnLst>
+                                    <p:set>
+                                      <p:cBhvr>
+                                        <p:cTn id="18" dur="1" fill="hold">
+                                          <p:stCondLst>
+                                            <p:cond delay="0"/>
+                                          </p:stCondLst>
+                                        </p:cTn>
+                                        <p:tgtEl>
+                                          <p:spTgt spid="15"/>
+                                        </p:tgtEl>
+                                        <p:attrNameLst>
+                                          <p:attrName>style.visibility</p:attrName>
+                                        </p:attrNameLst>
+                                      </p:cBhvr>
+                                      <p:to>
+                                        <p:strVal val="visible"/>
+                                      </p:to>
+                                    </p:set>
+                                  </p:childTnLst>
+                                </p:cTn>
+                              </p:par>
                             </p:childTnLst>
                           </p:cTn>
                         </p:par>
@@ -6132,6 +6207,7 @@
       <p:bldP spid="10" grpId="0" animBg="1"/>
       <p:bldP spid="11" grpId="0"/>
       <p:bldP spid="14" grpId="0" animBg="1"/>
+      <p:bldP spid="15" grpId="0"/>
     </p:bldLst>
   </p:timing>
 </p:sld>
@@ -9926,7 +10002,7 @@
             <a:r>
               <a:rPr lang="en-US" altLang="ko-KR" sz="1400" b="1" dirty="0" err="1" smtClean="0">
                 <a:solidFill>
-                  <a:schemeClr val="tx1"/>
+                  <a:srgbClr val="0000FF"/>
                 </a:solidFill>
               </a:rPr>
               <a:t>git</a:t>
@@ -9934,14 +10010,14 @@
             <a:r>
               <a:rPr lang="en-US" altLang="ko-KR" sz="1400" b="1" dirty="0" smtClean="0">
                 <a:solidFill>
-                  <a:schemeClr val="tx1"/>
+                  <a:srgbClr val="0000FF"/>
                 </a:solidFill>
               </a:rPr>
               <a:t> add</a:t>
             </a:r>
             <a:endParaRPr lang="ko-KR" altLang="en-US" sz="1400" b="1" dirty="0">
               <a:solidFill>
-                <a:schemeClr val="tx1"/>
+                <a:srgbClr val="0000FF"/>
               </a:solidFill>
             </a:endParaRPr>
           </a:p>
@@ -9996,24 +10072,24 @@
           <a:p>
             <a:pPr algn="ctr"/>
             <a:r>
-              <a:rPr lang="en-US" altLang="ko-KR" sz="1400" b="1" dirty="0" err="1" smtClean="0">
+              <a:rPr lang="en-US" altLang="ko-KR" sz="1400" b="1" dirty="0" err="1">
                 <a:solidFill>
-                  <a:schemeClr val="tx1"/>
+                  <a:srgbClr val="0000FF"/>
                 </a:solidFill>
               </a:rPr>
               <a:t>git</a:t>
             </a:r>
             <a:r>
-              <a:rPr lang="en-US" altLang="ko-KR" sz="1400" b="1" dirty="0" smtClean="0">
+              <a:rPr lang="en-US" altLang="ko-KR" sz="1400" b="1" dirty="0">
                 <a:solidFill>
-                  <a:schemeClr val="tx1"/>
+                  <a:srgbClr val="0000FF"/>
                 </a:solidFill>
               </a:rPr>
               <a:t> commit</a:t>
             </a:r>
             <a:endParaRPr lang="ko-KR" altLang="en-US" sz="1400" b="1" dirty="0">
               <a:solidFill>
-                <a:schemeClr val="tx1"/>
+                <a:srgbClr val="0000FF"/>
               </a:solidFill>
             </a:endParaRPr>
           </a:p>
@@ -10068,9 +10144,9 @@
           <a:p>
             <a:pPr algn="ctr"/>
             <a:r>
-              <a:rPr lang="en-US" altLang="ko-KR" sz="1400" b="1" dirty="0" err="1" smtClean="0">
+              <a:rPr lang="en-US" altLang="ko-KR" sz="1400" b="1" dirty="0" err="1">
                 <a:solidFill>
-                  <a:schemeClr val="tx1"/>
+                  <a:srgbClr val="0000FF"/>
                 </a:solidFill>
               </a:rPr>
               <a:t>git</a:t>
@@ -10078,22 +10154,14 @@
             <a:r>
               <a:rPr lang="en-US" altLang="ko-KR" sz="1400" b="1" dirty="0">
                 <a:solidFill>
-                  <a:schemeClr val="tx1"/>
+                  <a:srgbClr val="0000FF"/>
                 </a:solidFill>
               </a:rPr>
-              <a:t> </a:t>
-            </a:r>
-            <a:r>
-              <a:rPr lang="en-US" altLang="ko-KR" sz="1400" b="1" dirty="0" smtClean="0">
-                <a:solidFill>
-                  <a:schemeClr val="tx1"/>
-                </a:solidFill>
-              </a:rPr>
-              <a:t>push</a:t>
+              <a:t> push</a:t>
             </a:r>
             <a:endParaRPr lang="ko-KR" altLang="en-US" sz="1400" b="1" dirty="0">
               <a:solidFill>
-                <a:schemeClr val="tx1"/>
+                <a:srgbClr val="0000FF"/>
               </a:solidFill>
             </a:endParaRPr>
           </a:p>
@@ -10150,7 +10218,7 @@
             <a:r>
               <a:rPr lang="en-US" altLang="ko-KR" sz="1400" b="1" dirty="0" err="1" smtClean="0">
                 <a:solidFill>
-                  <a:schemeClr val="tx1"/>
+                  <a:srgbClr val="006600"/>
                 </a:solidFill>
               </a:rPr>
               <a:t>git</a:t>
@@ -10158,7 +10226,7 @@
             <a:r>
               <a:rPr lang="en-US" altLang="ko-KR" sz="1400" b="1" dirty="0">
                 <a:solidFill>
-                  <a:schemeClr val="tx1"/>
+                  <a:srgbClr val="006600"/>
                 </a:solidFill>
               </a:rPr>
               <a:t> </a:t>
@@ -10166,14 +10234,14 @@
             <a:r>
               <a:rPr lang="en-US" altLang="ko-KR" sz="1400" b="1" dirty="0" smtClean="0">
                 <a:solidFill>
-                  <a:schemeClr val="tx1"/>
+                  <a:srgbClr val="006600"/>
                 </a:solidFill>
               </a:rPr>
               <a:t>fetch</a:t>
             </a:r>
             <a:endParaRPr lang="ko-KR" altLang="en-US" sz="1400" b="1" dirty="0">
               <a:solidFill>
-                <a:schemeClr val="tx1"/>
+                <a:srgbClr val="006600"/>
               </a:solidFill>
             </a:endParaRPr>
           </a:p>
@@ -10230,9 +10298,9 @@
           <a:p>
             <a:pPr algn="ctr"/>
             <a:r>
-              <a:rPr lang="en-US" altLang="ko-KR" sz="1400" b="1" dirty="0" err="1" smtClean="0">
+              <a:rPr lang="en-US" altLang="ko-KR" sz="1400" b="1" dirty="0" err="1">
                 <a:solidFill>
-                  <a:schemeClr val="tx1"/>
+                  <a:srgbClr val="006600"/>
                 </a:solidFill>
               </a:rPr>
               <a:t>git</a:t>
@@ -10240,22 +10308,14 @@
             <a:r>
               <a:rPr lang="en-US" altLang="ko-KR" sz="1400" b="1" dirty="0">
                 <a:solidFill>
-                  <a:schemeClr val="tx1"/>
+                  <a:srgbClr val="006600"/>
                 </a:solidFill>
               </a:rPr>
-              <a:t> </a:t>
-            </a:r>
-            <a:r>
-              <a:rPr lang="en-US" altLang="ko-KR" sz="1400" b="1" dirty="0" smtClean="0">
-                <a:solidFill>
-                  <a:schemeClr val="tx1"/>
-                </a:solidFill>
-              </a:rPr>
-              <a:t>merge</a:t>
+              <a:t> merge</a:t>
             </a:r>
             <a:endParaRPr lang="ko-KR" altLang="en-US" sz="1400" b="1" dirty="0">
               <a:solidFill>
-                <a:schemeClr val="tx1"/>
+                <a:srgbClr val="006600"/>
               </a:solidFill>
             </a:endParaRPr>
           </a:p>
@@ -10312,9 +10372,9 @@
           <a:p>
             <a:pPr algn="ctr"/>
             <a:r>
-              <a:rPr lang="en-US" altLang="ko-KR" sz="1400" b="1" dirty="0" err="1" smtClean="0">
+              <a:rPr lang="en-US" altLang="ko-KR" sz="1400" b="1" dirty="0" err="1">
                 <a:solidFill>
-                  <a:schemeClr val="tx1"/>
+                  <a:srgbClr val="006600"/>
                 </a:solidFill>
               </a:rPr>
               <a:t>git</a:t>
@@ -10322,22 +10382,14 @@
             <a:r>
               <a:rPr lang="en-US" altLang="ko-KR" sz="1400" b="1" dirty="0">
                 <a:solidFill>
-                  <a:schemeClr val="tx1"/>
+                  <a:srgbClr val="006600"/>
                 </a:solidFill>
               </a:rPr>
-              <a:t> </a:t>
-            </a:r>
-            <a:r>
-              <a:rPr lang="en-US" altLang="ko-KR" sz="1400" b="1" dirty="0" smtClean="0">
-                <a:solidFill>
-                  <a:schemeClr val="tx1"/>
-                </a:solidFill>
-              </a:rPr>
-              <a:t>pull</a:t>
+              <a:t> pull</a:t>
             </a:r>
             <a:endParaRPr lang="ko-KR" altLang="en-US" sz="1400" b="1" dirty="0">
               <a:solidFill>
-                <a:schemeClr val="tx1"/>
+                <a:srgbClr val="006600"/>
               </a:solidFill>
             </a:endParaRPr>
           </a:p>
@@ -12947,7 +12999,12 @@
             <p:ph idx="1"/>
           </p:nvPr>
         </p:nvSpPr>
-        <p:spPr/>
+        <p:spPr>
+          <a:xfrm>
+            <a:off x="377071" y="880369"/>
+            <a:ext cx="11434714" cy="5611906"/>
+          </a:xfrm>
+        </p:spPr>
         <p:txBody>
           <a:bodyPr/>
           <a:lstStyle/>
@@ -13011,14 +13068,14 @@
           <p:nvPr>
             <p:extLst>
               <p:ext uri="{D42A27DB-BD31-4B8C-83A1-F6EECF244321}">
-                <p14:modId xmlns:p14="http://schemas.microsoft.com/office/powerpoint/2010/main" val="3455517906"/>
+                <p14:modId xmlns:p14="http://schemas.microsoft.com/office/powerpoint/2010/main" val="1322135169"/>
               </p:ext>
             </p:extLst>
           </p:nvPr>
         </p:nvGraphicFramePr>
         <p:xfrm>
-          <a:off x="693182" y="1689593"/>
-          <a:ext cx="10802493" cy="4830138"/>
+          <a:off x="658241" y="1375824"/>
+          <a:ext cx="10802493" cy="5042904"/>
         </p:xfrm>
         <a:graphic>
           <a:graphicData uri="http://schemas.openxmlformats.org/drawingml/2006/table">
@@ -13042,7 +13099,7 @@
                   </a:extLst>
                 </a:gridCol>
               </a:tblGrid>
-              <a:tr h="474823">
+              <a:tr h="420242">
                 <a:tc>
                   <a:txBody>
                     <a:bodyPr/>
@@ -13175,7 +13232,7 @@
                   </a:ext>
                 </a:extLst>
               </a:tr>
-              <a:tr h="474823">
+              <a:tr h="385222">
                 <a:tc>
                   <a:txBody>
                     <a:bodyPr/>
@@ -13360,7 +13417,7 @@
                   </a:ext>
                 </a:extLst>
               </a:tr>
-              <a:tr h="474823">
+              <a:tr h="665383">
                 <a:tc>
                   <a:txBody>
                     <a:bodyPr/>
@@ -13708,7 +13765,7 @@
                   </a:ext>
                 </a:extLst>
               </a:tr>
-              <a:tr h="474823">
+              <a:tr h="385222">
                 <a:tc>
                   <a:txBody>
                     <a:bodyPr/>
@@ -13919,7 +13976,7 @@
                   </a:ext>
                 </a:extLst>
               </a:tr>
-              <a:tr h="474823">
+              <a:tr h="385222">
                 <a:tc>
                   <a:txBody>
                     <a:bodyPr/>
@@ -14106,7 +14163,7 @@
                   </a:ext>
                 </a:extLst>
               </a:tr>
-              <a:tr h="474823">
+              <a:tr h="385222">
                 <a:tc>
                   <a:txBody>
                     <a:bodyPr/>
@@ -14191,18 +14248,6 @@
                         <a:buNone/>
                         <a:defRPr/>
                       </a:pPr>
-                      <a:r>
-                        <a:rPr lang="ko-KR" altLang="en-US" sz="1600" b="0" i="0" kern="1200" dirty="0" smtClean="0">
-                          <a:solidFill>
-                            <a:schemeClr val="tx1"/>
-                          </a:solidFill>
-                          <a:effectLst/>
-                          <a:latin typeface="+mj-lt"/>
-                          <a:ea typeface="+mn-ea"/>
-                          <a:cs typeface="+mn-cs"/>
-                        </a:rPr>
-                        <a:t> </a:t>
-                      </a:r>
                       <a:r>
                         <a:rPr lang="ko-KR" altLang="en-US" sz="1600" b="0" i="0" kern="1200" dirty="0" err="1" smtClean="0">
                           <a:solidFill>
@@ -14293,7 +14338,7 @@
                   </a:ext>
                 </a:extLst>
               </a:tr>
-              <a:tr h="474823">
+              <a:tr h="385222">
                 <a:tc>
                   <a:txBody>
                     <a:bodyPr/>
@@ -14497,7 +14542,7 @@
                   </a:ext>
                 </a:extLst>
               </a:tr>
-              <a:tr h="474823">
+              <a:tr h="945544">
                 <a:tc>
                   <a:txBody>
                     <a:bodyPr/>
@@ -14941,7 +14986,7 @@
                   </a:ext>
                 </a:extLst>
               </a:tr>
-              <a:tr h="474823">
+              <a:tr h="665383">
                 <a:tc>
                   <a:txBody>
                     <a:bodyPr/>
@@ -15100,6 +15145,25 @@
                         </a:rPr>
                         <a:t>. </a:t>
                       </a:r>
+                    </a:p>
+                    <a:p>
+                      <a:pPr marL="0" marR="0" lvl="0" indent="0" algn="l" defTabSz="914400" rtl="0" eaLnBrk="1" fontAlgn="auto" latinLnBrk="1" hangingPunct="1">
+                        <a:lnSpc>
+                          <a:spcPct val="100000"/>
+                        </a:lnSpc>
+                        <a:spcBef>
+                          <a:spcPts val="0"/>
+                        </a:spcBef>
+                        <a:spcAft>
+                          <a:spcPts val="0"/>
+                        </a:spcAft>
+                        <a:buClrTx/>
+                        <a:buSzTx/>
+                        <a:buFontTx/>
+                        <a:buNone/>
+                        <a:tabLst/>
+                        <a:defRPr/>
+                      </a:pPr>
                       <a:r>
                         <a:rPr lang="ko-KR" altLang="en-US" sz="1600" b="0" i="0" kern="1200" dirty="0" smtClean="0">
                           <a:solidFill>
@@ -15214,6 +15278,212 @@
                   </a:ext>
                 </a:extLst>
               </a:tr>
+              <a:tr h="420242">
+                <a:tc>
+                  <a:txBody>
+                    <a:bodyPr/>
+                    <a:lstStyle/>
+                    <a:p>
+                      <a:pPr algn="l" eaLnBrk="1" hangingPunct="1">
+                        <a:defRPr/>
+                      </a:pPr>
+                      <a:r>
+                        <a:rPr lang="en-US" altLang="ko-KR" sz="1600" b="1" dirty="0" err="1" smtClean="0">
+                          <a:solidFill>
+                            <a:schemeClr val="tx1"/>
+                          </a:solidFill>
+                          <a:effectLst/>
+                          <a:latin typeface="+mj-lt"/>
+                        </a:rPr>
+                        <a:t>git</a:t>
+                      </a:r>
+                      <a:r>
+                        <a:rPr lang="en-US" altLang="ko-KR" sz="1600" b="1" dirty="0" smtClean="0">
+                          <a:solidFill>
+                            <a:schemeClr val="tx1"/>
+                          </a:solidFill>
+                          <a:effectLst/>
+                          <a:latin typeface="+mj-lt"/>
+                        </a:rPr>
+                        <a:t> pull</a:t>
+                      </a:r>
+                    </a:p>
+                  </a:txBody>
+                  <a:tcPr anchor="ctr">
+                    <a:lnL w="12700" cap="flat" cmpd="sng" algn="ctr">
+                      <a:solidFill>
+                        <a:schemeClr val="tx1"/>
+                      </a:solidFill>
+                      <a:prstDash val="sysDot"/>
+                      <a:round/>
+                      <a:headEnd type="none" w="med" len="med"/>
+                      <a:tailEnd type="none" w="med" len="med"/>
+                    </a:lnL>
+                    <a:lnR w="12700" cap="flat" cmpd="sng" algn="ctr">
+                      <a:solidFill>
+                        <a:schemeClr val="tx1"/>
+                      </a:solidFill>
+                      <a:prstDash val="sysDot"/>
+                      <a:round/>
+                      <a:headEnd type="none" w="med" len="med"/>
+                      <a:tailEnd type="none" w="med" len="med"/>
+                    </a:lnR>
+                    <a:lnT w="12700" cap="flat" cmpd="sng" algn="ctr">
+                      <a:solidFill>
+                        <a:schemeClr val="tx1"/>
+                      </a:solidFill>
+                      <a:prstDash val="sysDot"/>
+                      <a:round/>
+                      <a:headEnd type="none" w="med" len="med"/>
+                      <a:tailEnd type="none" w="med" len="med"/>
+                    </a:lnT>
+                    <a:lnB w="12700" cap="flat" cmpd="sng" algn="ctr">
+                      <a:solidFill>
+                        <a:schemeClr val="tx1"/>
+                      </a:solidFill>
+                      <a:prstDash val="sysDot"/>
+                      <a:round/>
+                      <a:headEnd type="none" w="med" len="med"/>
+                      <a:tailEnd type="none" w="med" len="med"/>
+                    </a:lnB>
+                  </a:tcPr>
+                </a:tc>
+                <a:tc>
+                  <a:txBody>
+                    <a:bodyPr/>
+                    <a:lstStyle/>
+                    <a:p>
+                      <a:pPr marL="0" marR="0" lvl="0" indent="0" algn="l" defTabSz="914400" rtl="0" eaLnBrk="1" fontAlgn="auto" latinLnBrk="1" hangingPunct="1">
+                        <a:lnSpc>
+                          <a:spcPct val="100000"/>
+                        </a:lnSpc>
+                        <a:spcBef>
+                          <a:spcPts val="0"/>
+                        </a:spcBef>
+                        <a:spcAft>
+                          <a:spcPts val="0"/>
+                        </a:spcAft>
+                        <a:buClrTx/>
+                        <a:buSzTx/>
+                        <a:buFontTx/>
+                        <a:buNone/>
+                        <a:tabLst/>
+                        <a:defRPr/>
+                      </a:pPr>
+                      <a:r>
+                        <a:rPr lang="en-US" altLang="ko-KR" sz="1600" b="0" i="0" kern="1200" dirty="0" err="1" smtClean="0">
+                          <a:solidFill>
+                            <a:schemeClr val="tx1"/>
+                          </a:solidFill>
+                          <a:effectLst/>
+                          <a:latin typeface="+mn-lt"/>
+                          <a:ea typeface="+mn-ea"/>
+                          <a:cs typeface="+mn-cs"/>
+                        </a:rPr>
+                        <a:t>git</a:t>
+                      </a:r>
+                      <a:r>
+                        <a:rPr lang="ko-KR" altLang="en-US" sz="1600" b="0" i="0" kern="1200" dirty="0" smtClean="0">
+                          <a:solidFill>
+                            <a:schemeClr val="tx1"/>
+                          </a:solidFill>
+                          <a:effectLst/>
+                          <a:latin typeface="+mn-lt"/>
+                          <a:ea typeface="+mn-ea"/>
+                          <a:cs typeface="+mn-cs"/>
+                        </a:rPr>
+                        <a:t>서버에서 최신 코드 받아와 </a:t>
+                      </a:r>
+                      <a:r>
+                        <a:rPr lang="en-US" altLang="ko-KR" sz="1600" b="0" i="0" kern="1200" dirty="0" smtClean="0">
+                          <a:solidFill>
+                            <a:schemeClr val="tx1"/>
+                          </a:solidFill>
+                          <a:effectLst/>
+                          <a:latin typeface="+mn-lt"/>
+                          <a:ea typeface="+mn-ea"/>
+                          <a:cs typeface="+mn-cs"/>
+                        </a:rPr>
+                        <a:t>merge </a:t>
+                      </a:r>
+                      <a:r>
+                        <a:rPr lang="ko-KR" altLang="en-US" sz="1600" b="0" i="0" kern="1200" dirty="0" smtClean="0">
+                          <a:solidFill>
+                            <a:schemeClr val="tx1"/>
+                          </a:solidFill>
+                          <a:effectLst/>
+                          <a:latin typeface="+mn-lt"/>
+                          <a:ea typeface="+mn-ea"/>
+                          <a:cs typeface="+mn-cs"/>
+                        </a:rPr>
+                        <a:t>한다</a:t>
+                      </a:r>
+                      <a:r>
+                        <a:rPr lang="en-US" altLang="ko-KR" sz="1600" b="0" i="0" kern="1200" dirty="0" smtClean="0">
+                          <a:solidFill>
+                            <a:schemeClr val="tx1"/>
+                          </a:solidFill>
+                          <a:effectLst/>
+                          <a:latin typeface="+mn-lt"/>
+                          <a:ea typeface="+mn-ea"/>
+                          <a:cs typeface="+mn-cs"/>
+                        </a:rPr>
+                        <a:t>.</a:t>
+                      </a:r>
+                      <a:endParaRPr lang="en-US" altLang="ko-KR" sz="1600" b="0" dirty="0" smtClean="0">
+                        <a:solidFill>
+                          <a:schemeClr val="tx1"/>
+                        </a:solidFill>
+                        <a:effectLst/>
+                        <a:latin typeface="+mj-lt"/>
+                      </a:endParaRPr>
+                    </a:p>
+                  </a:txBody>
+                  <a:tcPr anchor="ctr">
+                    <a:lnL w="12700" cap="flat" cmpd="sng" algn="ctr">
+                      <a:solidFill>
+                        <a:schemeClr val="tx1"/>
+                      </a:solidFill>
+                      <a:prstDash val="sysDot"/>
+                      <a:round/>
+                      <a:headEnd type="none" w="med" len="med"/>
+                      <a:tailEnd type="none" w="med" len="med"/>
+                    </a:lnL>
+                    <a:lnR w="12700" cap="flat" cmpd="sng" algn="ctr">
+                      <a:solidFill>
+                        <a:schemeClr val="tx1"/>
+                      </a:solidFill>
+                      <a:prstDash val="sysDot"/>
+                      <a:round/>
+                      <a:headEnd type="none" w="med" len="med"/>
+                      <a:tailEnd type="none" w="med" len="med"/>
+                    </a:lnR>
+                    <a:lnT w="12700" cap="flat" cmpd="sng" algn="ctr">
+                      <a:solidFill>
+                        <a:schemeClr val="tx1"/>
+                      </a:solidFill>
+                      <a:prstDash val="sysDot"/>
+                      <a:round/>
+                      <a:headEnd type="none" w="med" len="med"/>
+                      <a:tailEnd type="none" w="med" len="med"/>
+                    </a:lnT>
+                    <a:lnB w="12700" cap="flat" cmpd="sng" algn="ctr">
+                      <a:solidFill>
+                        <a:schemeClr val="tx1"/>
+                      </a:solidFill>
+                      <a:prstDash val="sysDot"/>
+                      <a:round/>
+                      <a:headEnd type="none" w="med" len="med"/>
+                      <a:tailEnd type="none" w="med" len="med"/>
+                    </a:lnB>
+                  </a:tcPr>
+                </a:tc>
+                <a:extLst>
+                  <a:ext uri="{0D108BD9-81ED-4DB2-BD59-A6C34878D82A}">
+                    <a16:rowId xmlns:a16="http://schemas.microsoft.com/office/drawing/2014/main" val="2229972732"/>
+                  </a:ext>
+                </a:extLst>
+              </a:tr>
             </a:tbl>
           </a:graphicData>
         </a:graphic>
@@ -15235,6 +15505,189 @@
       </p:par>
     </p:tnLst>
   </p:timing>
+</p:sld>
+</file>
+
+<file path=ppt/slides/slide29.xml><?xml version="1.0" encoding="utf-8"?>
+<p:sld xmlns:a="http://schemas.openxmlformats.org/drawingml/2006/main" xmlns:r="http://schemas.openxmlformats.org/officeDocument/2006/relationships" xmlns:p="http://schemas.openxmlformats.org/presentationml/2006/main">
+  <p:cSld>
+    <p:spTree>
+      <p:nvGrpSpPr>
+        <p:cNvPr id="1" name=""/>
+        <p:cNvGrpSpPr/>
+        <p:nvPr/>
+      </p:nvGrpSpPr>
+      <p:grpSpPr>
+        <a:xfrm>
+          <a:off x="0" y="0"/>
+          <a:ext cx="0" cy="0"/>
+          <a:chOff x="0" y="0"/>
+          <a:chExt cx="0" cy="0"/>
+        </a:xfrm>
+      </p:grpSpPr>
+      <p:sp>
+        <p:nvSpPr>
+          <p:cNvPr id="2" name="제목 1"/>
+          <p:cNvSpPr>
+            <a:spLocks noGrp="1"/>
+          </p:cNvSpPr>
+          <p:nvPr>
+            <p:ph type="title"/>
+          </p:nvPr>
+        </p:nvSpPr>
+        <p:spPr/>
+        <p:txBody>
+          <a:bodyPr/>
+          <a:lstStyle/>
+          <a:p>
+            <a:r>
+              <a:rPr lang="ko-KR" altLang="en-US" dirty="0" smtClean="0"/>
+              <a:t>실습</a:t>
+            </a:r>
+            <a:endParaRPr lang="ko-KR" altLang="en-US" dirty="0"/>
+          </a:p>
+        </p:txBody>
+      </p:sp>
+      <p:sp>
+        <p:nvSpPr>
+          <p:cNvPr id="3" name="내용 개체 틀 2"/>
+          <p:cNvSpPr>
+            <a:spLocks noGrp="1"/>
+          </p:cNvSpPr>
+          <p:nvPr>
+            <p:ph idx="1"/>
+          </p:nvPr>
+        </p:nvSpPr>
+        <p:spPr/>
+        <p:txBody>
+          <a:bodyPr/>
+          <a:lstStyle/>
+          <a:p>
+            <a:r>
+              <a:rPr lang="en-US" altLang="ko-KR" dirty="0" smtClean="0"/>
+              <a:t>2</a:t>
+            </a:r>
+            <a:r>
+              <a:rPr lang="ko-KR" altLang="en-US" dirty="0" smtClean="0"/>
+              <a:t>사람씩 짝을 짓는다</a:t>
+            </a:r>
+            <a:r>
+              <a:rPr lang="en-US" altLang="ko-KR" dirty="0" smtClean="0"/>
+              <a:t>.</a:t>
+            </a:r>
+          </a:p>
+          <a:p>
+            <a:r>
+              <a:rPr lang="ko-KR" altLang="en-US" dirty="0" smtClean="0"/>
+              <a:t>이번 학기 프로그래밍 실습 내용을 선택한다</a:t>
+            </a:r>
+            <a:r>
+              <a:rPr lang="en-US" altLang="ko-KR" dirty="0" smtClean="0"/>
+              <a:t>.</a:t>
+            </a:r>
+          </a:p>
+          <a:p>
+            <a:r>
+              <a:rPr lang="ko-KR" altLang="en-US" dirty="0" smtClean="0"/>
+              <a:t>각자 </a:t>
+            </a:r>
+            <a:r>
+              <a:rPr lang="ko-KR" altLang="en-US" dirty="0"/>
+              <a:t>클라이언트</a:t>
+            </a:r>
+            <a:r>
+              <a:rPr lang="en-US" altLang="ko-KR" dirty="0"/>
+              <a:t>(</a:t>
+            </a:r>
+            <a:r>
+              <a:rPr lang="en-US" altLang="ko-KR" dirty="0" smtClean="0"/>
+              <a:t>fork)</a:t>
+            </a:r>
+            <a:r>
+              <a:rPr lang="ko-KR" altLang="en-US" dirty="0" smtClean="0"/>
+              <a:t>와 서버</a:t>
+            </a:r>
+            <a:r>
+              <a:rPr lang="en-US" altLang="ko-KR" dirty="0" smtClean="0"/>
+              <a:t>(pull request)</a:t>
+            </a:r>
+            <a:r>
+              <a:rPr lang="ko-KR" altLang="en-US" dirty="0" smtClean="0"/>
+              <a:t>의 역할을 맡아 진행한다</a:t>
+            </a:r>
+            <a:r>
+              <a:rPr lang="en-US" altLang="ko-KR" dirty="0" smtClean="0"/>
+              <a:t>.</a:t>
+            </a:r>
+          </a:p>
+          <a:p>
+            <a:r>
+              <a:rPr lang="en-US" altLang="ko-KR" dirty="0" smtClean="0"/>
+              <a:t>conversation </a:t>
+            </a:r>
+            <a:r>
+              <a:rPr lang="ko-KR" altLang="en-US" dirty="0" smtClean="0"/>
+              <a:t>에서 </a:t>
+            </a:r>
+            <a:r>
+              <a:rPr lang="en-US" altLang="ko-KR" dirty="0" smtClean="0"/>
+              <a:t>5</a:t>
+            </a:r>
+            <a:r>
+              <a:rPr lang="ko-KR" altLang="en-US" dirty="0" smtClean="0"/>
+              <a:t>번 이상의 논의를 한다</a:t>
+            </a:r>
+            <a:r>
+              <a:rPr lang="en-US" altLang="ko-KR" dirty="0" smtClean="0"/>
+              <a:t>.</a:t>
+            </a:r>
+          </a:p>
+          <a:p>
+            <a:r>
+              <a:rPr lang="ko-KR" altLang="en-US" dirty="0" smtClean="0"/>
+              <a:t>실습이 끝나면 역할을 바꾸어 진행한다</a:t>
+            </a:r>
+            <a:r>
+              <a:rPr lang="en-US" altLang="ko-KR" dirty="0" smtClean="0"/>
+              <a:t>.</a:t>
+            </a:r>
+            <a:endParaRPr lang="ko-KR" altLang="en-US" dirty="0"/>
+          </a:p>
+        </p:txBody>
+      </p:sp>
+      <p:sp>
+        <p:nvSpPr>
+          <p:cNvPr id="4" name="슬라이드 번호 개체 틀 3"/>
+          <p:cNvSpPr>
+            <a:spLocks noGrp="1"/>
+          </p:cNvSpPr>
+          <p:nvPr>
+            <p:ph type="sldNum" sz="quarter" idx="12"/>
+          </p:nvPr>
+        </p:nvSpPr>
+        <p:spPr/>
+        <p:txBody>
+          <a:bodyPr/>
+          <a:lstStyle/>
+          <a:p>
+            <a:fld id="{58588529-ABE4-40AD-8768-23231B917785}" type="slidenum">
+              <a:rPr lang="ko-KR" altLang="en-US" smtClean="0"/>
+              <a:t>29</a:t>
+            </a:fld>
+            <a:endParaRPr lang="ko-KR" altLang="en-US"/>
+          </a:p>
+        </p:txBody>
+      </p:sp>
+    </p:spTree>
+    <p:extLst>
+      <p:ext uri="{BB962C8B-B14F-4D97-AF65-F5344CB8AC3E}">
+        <p14:creationId xmlns:p14="http://schemas.microsoft.com/office/powerpoint/2010/main" val="1409827836"/>
+      </p:ext>
+    </p:extLst>
+  </p:cSld>
+  <p:clrMapOvr>
+    <a:masterClrMapping/>
+  </p:clrMapOvr>
 </p:sld>
 </file>
 
@@ -17780,27 +18233,11 @@
           <a:p>
             <a:r>
               <a:rPr lang="ko-KR" altLang="en-US" dirty="0" smtClean="0"/>
-              <a:t>지난 학기 </a:t>
-            </a:r>
-            <a:r>
-              <a:rPr lang="ko-KR" altLang="en-US" dirty="0" err="1" smtClean="0"/>
-              <a:t>사물인터넷</a:t>
-            </a:r>
-            <a:r>
-              <a:rPr lang="ko-KR" altLang="en-US" dirty="0" smtClean="0"/>
-              <a:t> </a:t>
+              <a:t>지난 학기 사물인터넷에서 코딩한 </a:t>
             </a:r>
             <a:r>
               <a:rPr lang="en-US" altLang="ko-KR" dirty="0" smtClean="0"/>
-              <a:t>5</a:t>
-            </a:r>
-            <a:r>
-              <a:rPr lang="ko-KR" altLang="en-US" dirty="0" smtClean="0"/>
-              <a:t>주차에 코딩한 </a:t>
-            </a:r>
-            <a:r>
-              <a:rPr lang="en-US" altLang="ko-KR" dirty="0" smtClean="0"/>
-              <a:t>week5/week5.ino </a:t>
+              <a:t>week3/week3.ino </a:t>
             </a:r>
             <a:r>
               <a:rPr lang="ko-KR" altLang="en-US" dirty="0" smtClean="0"/>
